--- a/thinking-in-java4/儿童成长电子相册PPT模板2.pptx
+++ b/thinking-in-java4/儿童成长电子相册PPT模板2.pptx
@@ -814,7 +814,120 @@
           <a:bodyPr/>
           <a:lstStyle/>
           <a:p>
-            <a:endParaRPr lang="zh-CN" altLang="en-US"/>
+            <a:r>
+              <a:rPr lang="zh-CN" altLang="en-US" dirty="0"/>
+              <a:t>成长档案</a:t>
+            </a:r>
+          </a:p>
+          <a:p>
+            <a:r>
+              <a:rPr lang="en-US" altLang="zh-CN" dirty="0"/>
+              <a:t>1 </a:t>
+            </a:r>
+            <a:r>
+              <a:rPr lang="zh-CN" altLang="en-US" dirty="0"/>
+              <a:t>封面</a:t>
+            </a:r>
+          </a:p>
+          <a:p>
+            <a:r>
+              <a:rPr lang="en-US" altLang="zh-CN" dirty="0"/>
+              <a:t>2 </a:t>
+            </a:r>
+            <a:r>
+              <a:rPr lang="zh-CN" altLang="en-US" dirty="0"/>
+              <a:t>个人资料</a:t>
+            </a:r>
+          </a:p>
+          <a:p>
+            <a:r>
+              <a:rPr lang="en-US" altLang="zh-CN" dirty="0"/>
+              <a:t>3 </a:t>
+            </a:r>
+            <a:r>
+              <a:rPr lang="zh-CN" altLang="en-US" dirty="0"/>
+              <a:t>成长轨迹</a:t>
+            </a:r>
+          </a:p>
+          <a:p>
+            <a:r>
+              <a:rPr lang="en-US" altLang="zh-CN" dirty="0"/>
+              <a:t>4 </a:t>
+            </a:r>
+            <a:r>
+              <a:rPr lang="zh-CN" altLang="en-US" dirty="0"/>
+              <a:t>家长寄语</a:t>
+            </a:r>
+          </a:p>
+          <a:p>
+            <a:r>
+              <a:rPr lang="en-US" altLang="zh-CN" dirty="0"/>
+              <a:t>5 </a:t>
+            </a:r>
+            <a:r>
+              <a:rPr lang="zh-CN" altLang="en-US" dirty="0"/>
+              <a:t>我的幼儿园</a:t>
+            </a:r>
+          </a:p>
+          <a:p>
+            <a:r>
+              <a:rPr lang="en-US" altLang="zh-CN" dirty="0"/>
+              <a:t>6 </a:t>
+            </a:r>
+            <a:r>
+              <a:rPr lang="zh-CN" altLang="en-US" dirty="0"/>
+              <a:t>小学</a:t>
+            </a:r>
+          </a:p>
+          <a:p>
+            <a:r>
+              <a:rPr lang="en-US" altLang="zh-CN" dirty="0"/>
+              <a:t>7 </a:t>
+            </a:r>
+            <a:r>
+              <a:rPr lang="zh-CN" altLang="en-US" dirty="0"/>
+              <a:t>小学</a:t>
+            </a:r>
+          </a:p>
+          <a:p>
+            <a:r>
+              <a:rPr lang="en-US" altLang="zh-CN" dirty="0"/>
+              <a:t>8 </a:t>
+            </a:r>
+            <a:r>
+              <a:rPr lang="zh-CN" altLang="en-US" dirty="0"/>
+              <a:t>课外拓展</a:t>
+            </a:r>
+          </a:p>
+          <a:p>
+            <a:r>
+              <a:rPr lang="en-US" altLang="zh-CN" dirty="0"/>
+              <a:t>9 </a:t>
+            </a:r>
+            <a:r>
+              <a:rPr lang="zh-CN" altLang="en-US" dirty="0"/>
+              <a:t>我的兴趣爱好</a:t>
+            </a:r>
+          </a:p>
+          <a:p>
+            <a:r>
+              <a:rPr lang="en-US" altLang="zh-CN" dirty="0"/>
+              <a:t>10 </a:t>
+            </a:r>
+            <a:r>
+              <a:rPr lang="zh-CN" altLang="en-US" dirty="0"/>
+              <a:t>我的梦想</a:t>
+            </a:r>
+          </a:p>
+          <a:p>
+            <a:r>
+              <a:rPr lang="en-US" altLang="zh-CN" dirty="0"/>
+              <a:t>11 </a:t>
+            </a:r>
+            <a:r>
+              <a:rPr lang="zh-CN" altLang="en-US" dirty="0"/>
+              <a:t>结束语</a:t>
+            </a:r>
           </a:p>
         </p:txBody>
       </p:sp>
